--- a/tmp/img/tmp.pptx
+++ b/tmp/img/tmp.pptx
@@ -3884,7 +3884,7 @@
                 <a:latin typeface="Arial" panose="020B0604020202020204" pitchFamily="34" charset="0"/>
                 <a:cs typeface="Arial" panose="020B0604020202020204" pitchFamily="34" charset="0"/>
               </a:rPr>
-              <a:t>Data enhancement</a:t>
+              <a:t>Data Augmentation</a:t>
             </a:r>
             <a:endParaRPr lang="zh-CN" altLang="en-US" b="1" dirty="0">
               <a:solidFill>
